--- a/Module 4 Final Project Presentation.pptx
+++ b/Module 4 Final Project Presentation.pptx
@@ -15531,6 +15531,36 @@
           </a:p>
         </p:txBody>
       </p:sp>
+      <p:pic>
+        <p:nvPicPr>
+          <p:cNvPr id="6" name="Picture 5" descr="Chart, treemap chart&#10;&#10;Description automatically generated">
+            <a:extLst>
+              <a:ext uri="{FF2B5EF4-FFF2-40B4-BE49-F238E27FC236}">
+                <a16:creationId xmlns:a16="http://schemas.microsoft.com/office/drawing/2014/main" id="{590B8289-BD32-1843-8844-7C50D245D9DD}"/>
+              </a:ext>
+            </a:extLst>
+          </p:cNvPr>
+          <p:cNvPicPr>
+            <a:picLocks noChangeAspect="1"/>
+          </p:cNvPicPr>
+          <p:nvPr/>
+        </p:nvPicPr>
+        <p:blipFill>
+          <a:blip r:embed="rId3"/>
+          <a:stretch>
+            <a:fillRect/>
+          </a:stretch>
+        </p:blipFill>
+        <p:spPr>
+          <a:xfrm>
+            <a:off x="5731703" y="977532"/>
+            <a:ext cx="5700660" cy="4603208"/>
+          </a:xfrm>
+          <a:prstGeom prst="rect">
+            <a:avLst/>
+          </a:prstGeom>
+        </p:spPr>
+      </p:pic>
       <p:sp>
         <p:nvSpPr>
           <p:cNvPr id="3" name="Content Placeholder 2">
@@ -15570,7 +15600,7 @@
                   <a:srgbClr val="FFFFFF"/>
                 </a:solidFill>
               </a:rPr>
-              <a:t>Best Model: 94% Recall Score</a:t>
+              <a:t>Best Model: 97% Recall Score</a:t>
             </a:r>
           </a:p>
           <a:p>
@@ -15624,7 +15654,7 @@
                   <a:srgbClr val="FFFFFF"/>
                 </a:solidFill>
               </a:rPr>
-              <a:t>the patient has pneumonia 94</a:t>
+              <a:t>the patient has pneumonia 97</a:t>
             </a:r>
             <a:r>
               <a:rPr lang="en-US" sz="1700" b="1" cap="none" dirty="0">
@@ -15670,7 +15700,7 @@
                   <a:srgbClr val="FFFFFF"/>
                 </a:solidFill>
               </a:rPr>
-              <a:t>Correctly classified that the patient doesn’t have pneumonia 86% of the time</a:t>
+              <a:t>Correctly classified that the patient doesn’t have pneumonia 89% of the time</a:t>
             </a:r>
           </a:p>
           <a:p>
@@ -15687,40 +15717,27 @@
                   <a:srgbClr val="FFFFFF"/>
                 </a:solidFill>
               </a:rPr>
-              <a:t>Value: Model prevents False Negatives 88% of the time</a:t>
+              <a:t>Value: Model prevents False Negatives </a:t>
+            </a:r>
+            <a:r>
+              <a:rPr lang="en-US" sz="1700" dirty="0">
+                <a:solidFill>
+                  <a:srgbClr val="FFFFFF"/>
+                </a:solidFill>
+              </a:rPr>
+              <a:t>92</a:t>
+            </a:r>
+            <a:r>
+              <a:rPr lang="en-US" sz="1700" cap="none" dirty="0">
+                <a:solidFill>
+                  <a:srgbClr val="FFFFFF"/>
+                </a:solidFill>
+              </a:rPr>
+              <a:t>% of the time</a:t>
             </a:r>
           </a:p>
         </p:txBody>
       </p:sp>
-      <p:pic>
-        <p:nvPicPr>
-          <p:cNvPr id="5" name="Picture 4" descr="Chart, treemap chart&#10;&#10;Description automatically generated">
-            <a:extLst>
-              <a:ext uri="{FF2B5EF4-FFF2-40B4-BE49-F238E27FC236}">
-                <a16:creationId xmlns:a16="http://schemas.microsoft.com/office/drawing/2014/main" id="{2375BE6D-9C7A-C94A-8CD4-EB7DFB1A9E9B}"/>
-              </a:ext>
-            </a:extLst>
-          </p:cNvPr>
-          <p:cNvPicPr>
-            <a:picLocks noChangeAspect="1"/>
-          </p:cNvPicPr>
-          <p:nvPr/>
-        </p:nvPicPr>
-        <p:blipFill rotWithShape="1">
-          <a:blip r:embed="rId3"/>
-          <a:srcRect l="704" r="5472" b="-1"/>
-          <a:stretch/>
-        </p:blipFill>
-        <p:spPr>
-          <a:xfrm>
-            <a:off x="5751576" y="999185"/>
-            <a:ext cx="5341910" cy="4597501"/>
-          </a:xfrm>
-          <a:prstGeom prst="rect">
-            <a:avLst/>
-          </a:prstGeom>
-        </p:spPr>
-      </p:pic>
       <p:sp>
         <p:nvSpPr>
           <p:cNvPr id="8" name="Rectangle 7">
